--- a/Slide/17- Visualization for Presentation and better Understanding.pptx
+++ b/Slide/17- Visualization for Presentation and better Understanding.pptx
@@ -16006,7 +16006,7 @@
           <a:p>
             <a:fld id="{F5647B97-F030-426D-A9D1-6B39B13C23ED}" type="datetimeFigureOut">
               <a:rPr lang="en-US" smtClean="0"/>
-              <a:t>5/14/2023</a:t>
+              <a:t>5/20/2023</a:t>
             </a:fld>
             <a:endParaRPr lang="en-US" dirty="0"/>
           </a:p>
@@ -16183,7 +16183,7 @@
           <a:p>
             <a:fld id="{6AF24CBC-D461-4ECA-A489-D3A30E0FB795}" type="datetimeFigureOut">
               <a:rPr lang="en-US" smtClean="0"/>
-              <a:t>5/14/2023</a:t>
+              <a:t>5/20/2023</a:t>
             </a:fld>
             <a:endParaRPr lang="en-US" dirty="0"/>
           </a:p>
@@ -17136,7 +17136,7 @@
           <a:p>
             <a:fld id="{530D48CF-CA04-4783-93AD-979ACAA61BAD}" type="datetime1">
               <a:rPr lang="en-US" smtClean="0"/>
-              <a:t>5/14/2023</a:t>
+              <a:t>5/20/2023</a:t>
             </a:fld>
             <a:endParaRPr lang="en-US" dirty="0"/>
           </a:p>
@@ -17415,7 +17415,7 @@
           <a:p>
             <a:fld id="{B3CD8F5E-101B-4FAA-9D82-961F1DB1544E}" type="datetime1">
               <a:rPr lang="en-US" smtClean="0"/>
-              <a:t>5/14/2023</a:t>
+              <a:t>5/20/2023</a:t>
             </a:fld>
             <a:endParaRPr lang="en-US" dirty="0"/>
           </a:p>
@@ -17642,7 +17642,7 @@
           <a:p>
             <a:fld id="{ED27139F-35B2-43FA-B637-88921C5FFDC1}" type="datetime1">
               <a:rPr lang="en-US" smtClean="0"/>
-              <a:t>5/14/2023</a:t>
+              <a:t>5/20/2023</a:t>
             </a:fld>
             <a:endParaRPr lang="en-US" dirty="0"/>
           </a:p>
@@ -17843,7 +17843,7 @@
           <a:p>
             <a:fld id="{B70B01E3-C0B1-4B9B-89A9-02A94F8923FD}" type="datetime1">
               <a:rPr lang="en-US" smtClean="0"/>
-              <a:t>5/14/2023</a:t>
+              <a:t>5/20/2023</a:t>
             </a:fld>
             <a:endParaRPr lang="en-US" dirty="0"/>
           </a:p>
@@ -18034,7 +18034,7 @@
           <a:p>
             <a:fld id="{AD6E31F1-ECC9-4BD6-B025-EF3978C15B30}" type="datetime1">
               <a:rPr lang="en-US" smtClean="0"/>
-              <a:t>5/14/2023</a:t>
+              <a:t>5/20/2023</a:t>
             </a:fld>
             <a:endParaRPr lang="en-US" dirty="0"/>
           </a:p>
@@ -18342,7 +18342,7 @@
           <a:p>
             <a:fld id="{0723E066-FCF7-4D43-8CE1-1C08EC1A1793}" type="datetime1">
               <a:rPr lang="en-US" smtClean="0"/>
-              <a:t>5/14/2023</a:t>
+              <a:t>5/20/2023</a:t>
             </a:fld>
             <a:endParaRPr lang="en-US" dirty="0"/>
           </a:p>
@@ -18773,7 +18773,7 @@
           <a:p>
             <a:fld id="{56DC8794-11C8-4B79-A4E9-18EDC7F6F0E1}" type="datetime1">
               <a:rPr lang="en-US" smtClean="0"/>
-              <a:t>5/14/2023</a:t>
+              <a:t>5/20/2023</a:t>
             </a:fld>
             <a:endParaRPr lang="en-US" dirty="0"/>
           </a:p>
@@ -18900,7 +18900,7 @@
           <a:p>
             <a:fld id="{A3CD5C23-9E41-495D-915A-9AA2F40B498D}" type="datetime1">
               <a:rPr lang="en-US" smtClean="0"/>
-              <a:t>5/14/2023</a:t>
+              <a:t>5/20/2023</a:t>
             </a:fld>
             <a:endParaRPr lang="en-US" dirty="0"/>
           </a:p>
@@ -18999,7 +18999,7 @@
           <a:p>
             <a:fld id="{44F57D3B-5F64-44A5-AA84-66F74DA0B34C}" type="datetime1">
               <a:rPr lang="en-US" smtClean="0"/>
-              <a:t>5/14/2023</a:t>
+              <a:t>5/20/2023</a:t>
             </a:fld>
             <a:endParaRPr lang="en-US" dirty="0"/>
           </a:p>
@@ -19304,7 +19304,7 @@
           <a:p>
             <a:fld id="{2A0FC8FD-3A4C-43CB-AF34-DC8E25AC924B}" type="datetime1">
               <a:rPr lang="en-US" smtClean="0"/>
-              <a:t>5/14/2023</a:t>
+              <a:t>5/20/2023</a:t>
             </a:fld>
             <a:endParaRPr lang="en-US" dirty="0"/>
           </a:p>
@@ -19578,7 +19578,7 @@
           <a:p>
             <a:fld id="{7B82EBCC-AAFA-45D8-862F-DAF4C6B28F16}" type="datetime1">
               <a:rPr lang="en-US" smtClean="0"/>
-              <a:t>5/14/2023</a:t>
+              <a:t>5/20/2023</a:t>
             </a:fld>
             <a:endParaRPr lang="en-US" dirty="0"/>
           </a:p>
@@ -19829,7 +19829,7 @@
           <a:p>
             <a:fld id="{DDB2D2ED-04BA-4C3B-A1BA-41B691232536}" type="datetime1">
               <a:rPr lang="en-US" smtClean="0"/>
-              <a:t>5/14/2023</a:t>
+              <a:t>5/20/2023</a:t>
             </a:fld>
             <a:endParaRPr lang="en-US" dirty="0"/>
           </a:p>
@@ -22409,7 +22409,7 @@
         </p:blipFill>
         <p:spPr>
           <a:xfrm>
-            <a:off x="1455162" y="2114741"/>
+            <a:off x="1455162" y="2011645"/>
             <a:ext cx="9279593" cy="4192500"/>
           </a:xfrm>
           <a:prstGeom prst="rect">
@@ -26591,12 +26591,11 @@
 </file>
 
 <file path=customXml/item1.xml><?xml version="1.0" encoding="utf-8"?>
-<?mso-contentType ?>
-<FormTemplates xmlns="http://schemas.microsoft.com/sharepoint/v3/contenttype/forms">
-  <Display>DocumentLibraryForm</Display>
-  <Edit>DocumentLibraryForm</Edit>
-  <New>DocumentLibraryForm</New>
-</FormTemplates>
+<p:properties xmlns:p="http://schemas.microsoft.com/office/2006/metadata/properties" xmlns:xsi="http://www.w3.org/2001/XMLSchema-instance" xmlns:pc="http://schemas.microsoft.com/office/infopath/2007/PartnerControls">
+  <documentManagement>
+    <MediaServiceKeyPoints xmlns="71af3243-3dd4-4a8d-8c0d-dd76da1f02a5" xsi:nil="true"/>
+  </documentManagement>
+</p:properties>
 </file>
 
 <file path=customXml/item2.xml><?xml version="1.0" encoding="utf-8"?>
@@ -26811,17 +26810,20 @@
 </file>
 
 <file path=customXml/item3.xml><?xml version="1.0" encoding="utf-8"?>
-<p:properties xmlns:p="http://schemas.microsoft.com/office/2006/metadata/properties" xmlns:xsi="http://www.w3.org/2001/XMLSchema-instance" xmlns:pc="http://schemas.microsoft.com/office/infopath/2007/PartnerControls">
-  <documentManagement>
-    <MediaServiceKeyPoints xmlns="71af3243-3dd4-4a8d-8c0d-dd76da1f02a5" xsi:nil="true"/>
-  </documentManagement>
-</p:properties>
+<?mso-contentType ?>
+<FormTemplates xmlns="http://schemas.microsoft.com/sharepoint/v3/contenttype/forms">
+  <Display>DocumentLibraryForm</Display>
+  <Edit>DocumentLibraryForm</Edit>
+  <New>DocumentLibraryForm</New>
+</FormTemplates>
 </file>
 
 <file path=customXml/itemProps1.xml><?xml version="1.0" encoding="utf-8"?>
-<ds:datastoreItem xmlns:ds="http://schemas.openxmlformats.org/officeDocument/2006/customXml" ds:itemID="{19E42AFF-377A-47D3-84EF-20B0692369E9}">
+<ds:datastoreItem xmlns:ds="http://schemas.openxmlformats.org/officeDocument/2006/customXml" ds:itemID="{2A9B77A0-8658-45E5-8D19-245595005394}">
   <ds:schemaRefs>
-    <ds:schemaRef ds:uri="http://schemas.microsoft.com/sharepoint/v3/contenttype/forms"/>
+    <ds:schemaRef ds:uri="http://schemas.microsoft.com/office/2006/metadata/properties"/>
+    <ds:schemaRef ds:uri="http://schemas.microsoft.com/office/infopath/2007/PartnerControls"/>
+    <ds:schemaRef ds:uri="71af3243-3dd4-4a8d-8c0d-dd76da1f02a5"/>
   </ds:schemaRefs>
 </ds:datastoreItem>
 </file>
@@ -26846,11 +26848,9 @@
 </file>
 
 <file path=customXml/itemProps3.xml><?xml version="1.0" encoding="utf-8"?>
-<ds:datastoreItem xmlns:ds="http://schemas.openxmlformats.org/officeDocument/2006/customXml" ds:itemID="{2A9B77A0-8658-45E5-8D19-245595005394}">
+<ds:datastoreItem xmlns:ds="http://schemas.openxmlformats.org/officeDocument/2006/customXml" ds:itemID="{19E42AFF-377A-47D3-84EF-20B0692369E9}">
   <ds:schemaRefs>
-    <ds:schemaRef ds:uri="http://schemas.microsoft.com/office/2006/metadata/properties"/>
-    <ds:schemaRef ds:uri="http://schemas.microsoft.com/office/infopath/2007/PartnerControls"/>
-    <ds:schemaRef ds:uri="71af3243-3dd4-4a8d-8c0d-dd76da1f02a5"/>
+    <ds:schemaRef ds:uri="http://schemas.microsoft.com/sharepoint/v3/contenttype/forms"/>
   </ds:schemaRefs>
 </ds:datastoreItem>
 </file>